--- a/Slides-RPR/2019-H1-DAA-L14-Divide-Conquer-MergeSort-Quicksort.pptx
+++ b/Slides-RPR/2019-H1-DAA-L14-Divide-Conquer-MergeSort-Quicksort.pptx
@@ -2122,7 +2122,7 @@
       </p:grpSpPr>
       <p:sp>
         <p:nvSpPr>
-          <p:cNvPr id="42" name="Design and Analysis of Algorithms   L13: MergeSort &amp; Quicksort"/>
+          <p:cNvPr id="42" name="Design and Analysis of Algorithms   L14: MergeSort &amp; Quicksort"/>
           <p:cNvSpPr txBox="1"/>
           <p:nvPr>
             <p:ph type="title"/>
@@ -2198,7 +2198,7 @@
                 <a:cs typeface="Arial"/>
                 <a:sym typeface="Arial"/>
               </a:rPr>
-              <a:t>L13: </a:t>
+              <a:t>L14: </a:t>
             </a:r>
             <a:r>
               <a:rPr sz="4400">
@@ -5041,12 +5041,12 @@
       </p:par>
     </p:tnLst>
     <p:bldLst>
-      <p:bldP build="p" bldLvl="5" animBg="1" rev="0" advAuto="0" spid="211" grpId="1"/>
-      <p:bldP build="whole" bldLvl="1" animBg="1" rev="0" advAuto="0" spid="224" grpId="4"/>
-      <p:bldP build="whole" bldLvl="1" animBg="1" rev="0" advAuto="0" spid="225" grpId="6"/>
       <p:bldP build="whole" bldLvl="1" animBg="1" rev="0" advAuto="0" spid="221" grpId="5"/>
       <p:bldP build="whole" bldLvl="1" animBg="1" rev="0" advAuto="0" spid="219" grpId="2"/>
       <p:bldP build="whole" bldLvl="1" animBg="1" rev="0" advAuto="0" spid="220" grpId="3"/>
+      <p:bldP build="whole" bldLvl="1" animBg="1" rev="0" advAuto="0" spid="224" grpId="4"/>
+      <p:bldP build="whole" bldLvl="1" animBg="1" rev="0" advAuto="0" spid="225" grpId="6"/>
+      <p:bldP build="p" bldLvl="5" animBg="1" rev="0" advAuto="0" spid="211" grpId="1"/>
     </p:bldLst>
   </p:timing>
 </p:sld>
@@ -6565,7 +6565,7 @@
         <p:spPr>
           <a:xfrm>
             <a:off x="1695757" y="2271702"/>
-            <a:ext cx="696080" cy="661893"/>
+            <a:ext cx="696080" cy="661892"/>
           </a:xfrm>
           <a:prstGeom prst="ellipse">
             <a:avLst/>
@@ -6605,7 +6605,7 @@
         <p:spPr>
           <a:xfrm>
             <a:off x="7390281" y="2271702"/>
-            <a:ext cx="696080" cy="661893"/>
+            <a:ext cx="696080" cy="661892"/>
           </a:xfrm>
           <a:prstGeom prst="ellipse">
             <a:avLst/>
@@ -6645,7 +6645,7 @@
         <p:spPr>
           <a:xfrm>
             <a:off x="6560418" y="2271702"/>
-            <a:ext cx="696080" cy="661893"/>
+            <a:ext cx="696080" cy="661892"/>
           </a:xfrm>
           <a:prstGeom prst="ellipse">
             <a:avLst/>
@@ -6685,7 +6685,7 @@
         <p:spPr>
           <a:xfrm>
             <a:off x="5730555" y="2271702"/>
-            <a:ext cx="696080" cy="661893"/>
+            <a:ext cx="696080" cy="661892"/>
           </a:xfrm>
           <a:prstGeom prst="ellipse">
             <a:avLst/>
@@ -6725,7 +6725,7 @@
         <p:spPr>
           <a:xfrm>
             <a:off x="4911080" y="2271702"/>
-            <a:ext cx="696080" cy="661893"/>
+            <a:ext cx="696080" cy="661892"/>
           </a:xfrm>
           <a:prstGeom prst="ellipse">
             <a:avLst/>
@@ -6765,7 +6765,7 @@
         <p:spPr>
           <a:xfrm>
             <a:off x="4128087" y="2271702"/>
-            <a:ext cx="696080" cy="661893"/>
+            <a:ext cx="696080" cy="661892"/>
           </a:xfrm>
           <a:prstGeom prst="ellipse">
             <a:avLst/>
@@ -6805,7 +6805,7 @@
         <p:spPr>
           <a:xfrm>
             <a:off x="3345094" y="2271702"/>
-            <a:ext cx="696080" cy="661893"/>
+            <a:ext cx="696080" cy="661892"/>
           </a:xfrm>
           <a:prstGeom prst="ellipse">
             <a:avLst/>
@@ -6845,7 +6845,7 @@
         <p:spPr>
           <a:xfrm>
             <a:off x="2562101" y="2271702"/>
-            <a:ext cx="696080" cy="661893"/>
+            <a:ext cx="696080" cy="661892"/>
           </a:xfrm>
           <a:prstGeom prst="ellipse">
             <a:avLst/>
@@ -6884,8 +6884,8 @@
         </p:nvSpPr>
         <p:spPr>
           <a:xfrm flipV="1">
-            <a:off x="3693133" y="3055143"/>
-            <a:ext cx="1" cy="382910"/>
+            <a:off x="3693133" y="3055142"/>
+            <a:ext cx="1" cy="382911"/>
           </a:xfrm>
           <a:prstGeom prst="line">
             <a:avLst/>
@@ -8437,26 +8437,26 @@
       </p:par>
     </p:tnLst>
     <p:bldLst>
-      <p:bldP build="whole" bldLvl="1" animBg="1" rev="0" advAuto="0" spid="265" grpId="17"/>
-      <p:bldP build="whole" bldLvl="1" animBg="1" rev="0" advAuto="0" spid="258" grpId="14"/>
-      <p:bldP build="whole" bldLvl="1" animBg="1" rev="0" advAuto="0" spid="257" grpId="7"/>
-      <p:bldP build="whole" bldLvl="1" animBg="1" rev="0" advAuto="0" spid="262" grpId="10"/>
-      <p:bldP build="whole" bldLvl="1" animBg="1" rev="0" advAuto="0" spid="261" grpId="11"/>
       <p:bldP build="whole" bldLvl="1" animBg="1" rev="0" advAuto="0" spid="259" grpId="13"/>
-      <p:bldP build="whole" bldLvl="1" animBg="1" rev="0" advAuto="0" spid="270" grpId="31"/>
-      <p:bldP build="whole" bldLvl="1" animBg="1" rev="0" advAuto="0" spid="246" grpId="3"/>
-      <p:bldP build="whole" bldLvl="1" animBg="1" rev="0" advAuto="0" spid="263" grpId="9"/>
-      <p:bldP build="whole" bldLvl="1" animBg="1" rev="0" advAuto="0" spid="238" grpId="6"/>
-      <p:bldP build="whole" bldLvl="1" animBg="1" rev="0" advAuto="0" spid="245" grpId="2"/>
-      <p:bldP build="whole" bldLvl="1" animBg="1" rev="0" advAuto="0" spid="243" grpId="5"/>
-      <p:bldP build="whole" bldLvl="1" animBg="1" rev="0" advAuto="0" spid="266" grpId="21"/>
-      <p:bldP build="whole" bldLvl="1" animBg="1" rev="0" advAuto="0" spid="260" grpId="12"/>
       <p:bldP build="whole" bldLvl="1" animBg="1" rev="0" advAuto="0" spid="264" grpId="8"/>
       <p:bldP build="whole" bldLvl="1" animBg="1" rev="0" advAuto="0" spid="269" grpId="30"/>
+      <p:bldP build="whole" bldLvl="1" animBg="1" rev="0" advAuto="0" spid="256" grpId="28"/>
       <p:bldP build="whole" bldLvl="1" animBg="1" rev="0" advAuto="0" spid="247" grpId="27"/>
+      <p:bldP build="whole" bldLvl="1" animBg="1" rev="0" advAuto="0" spid="261" grpId="11"/>
+      <p:bldP build="whole" bldLvl="1" animBg="1" rev="0" advAuto="0" spid="243" grpId="5"/>
+      <p:bldP build="whole" bldLvl="1" animBg="1" rev="0" advAuto="0" spid="245" grpId="2"/>
+      <p:bldP build="whole" bldLvl="1" animBg="1" rev="0" advAuto="0" spid="257" grpId="7"/>
+      <p:bldP build="whole" bldLvl="1" animBg="1" rev="0" advAuto="0" spid="270" grpId="31"/>
+      <p:bldP build="whole" bldLvl="1" animBg="1" rev="0" advAuto="0" spid="260" grpId="12"/>
+      <p:bldP build="whole" bldLvl="1" animBg="1" rev="0" advAuto="0" spid="262" grpId="10"/>
+      <p:bldP build="whole" bldLvl="1" animBg="1" rev="0" advAuto="0" spid="246" grpId="3"/>
+      <p:bldP build="whole" bldLvl="1" animBg="1" rev="0" advAuto="0" spid="265" grpId="17"/>
+      <p:bldP build="whole" bldLvl="1" animBg="1" rev="0" advAuto="0" spid="237" grpId="1"/>
+      <p:bldP build="whole" bldLvl="1" animBg="1" rev="0" advAuto="0" spid="238" grpId="6"/>
+      <p:bldP build="whole" bldLvl="1" animBg="1" rev="0" advAuto="0" spid="266" grpId="21"/>
+      <p:bldP build="whole" bldLvl="1" animBg="1" rev="0" advAuto="0" spid="258" grpId="14"/>
       <p:bldP build="whole" bldLvl="1" animBg="1" rev="0" advAuto="0" spid="251" grpId="29"/>
-      <p:bldP build="whole" bldLvl="1" animBg="1" rev="0" advAuto="0" spid="256" grpId="28"/>
-      <p:bldP build="whole" bldLvl="1" animBg="1" rev="0" advAuto="0" spid="237" grpId="1"/>
+      <p:bldP build="whole" bldLvl="1" animBg="1" rev="0" advAuto="0" spid="263" grpId="9"/>
     </p:bldLst>
   </p:timing>
 </p:sld>
@@ -8505,7 +8505,7 @@
       </p:sp>
       <p:sp>
         <p:nvSpPr>
-          <p:cNvPr id="273" name="Algo quicksort(l,r,A[])…"/>
+          <p:cNvPr id="273" name="Algo quicksort(left, right,A[])…"/>
           <p:cNvSpPr txBox="1"/>
           <p:nvPr>
             <p:ph type="body" idx="1"/>
@@ -8540,7 +8540,7 @@
                 <a:cs typeface="Courier New"/>
                 <a:sym typeface="Courier New"/>
               </a:rPr>
-              <a:t>quicksort(l,r,A[])</a:t>
+              <a:t>quicksort(left, right,A[])</a:t>
             </a:r>
             <a:endParaRPr>
               <a:latin typeface="Courier New"/>
@@ -8552,7 +8552,7 @@
           <a:p>
             <a:pPr marL="0" indent="0">
               <a:spcBef>
-                <a:spcPts val="200"/>
+                <a:spcPts val="400"/>
               </a:spcBef>
               <a:buSzTx/>
               <a:buNone/>
@@ -8565,7 +8565,7 @@
                 <a:cs typeface="Courier New"/>
                 <a:sym typeface="Courier New"/>
               </a:rPr>
-              <a:t>#i/p:array[l,r] defined by left and right indices</a:t>
+              <a:t>#i/p: left - array index to start from</a:t>
             </a:r>
             <a:endParaRPr sz="2300">
               <a:latin typeface="Courier New"/>
@@ -8575,13 +8575,12 @@
             </a:endParaRPr>
           </a:p>
           <a:p>
-            <a:pPr marL="0" indent="0">
+            <a:pPr lvl="4" marL="0" indent="914400">
               <a:spcBef>
-                <a:spcPts val="200"/>
+                <a:spcPts val="400"/>
               </a:spcBef>
               <a:buSzTx/>
               <a:buNone/>
-              <a:defRPr sz="2800"/>
             </a:pPr>
             <a:r>
               <a:rPr sz="2300">
@@ -8590,7 +8589,56 @@
                 <a:cs typeface="Courier New"/>
                 <a:sym typeface="Courier New"/>
               </a:rPr>
-              <a:t>#o/p: array[l,r] sorted in ascending order</a:t>
+              <a:t>right - array index up to which to consider</a:t>
+            </a:r>
+            <a:endParaRPr sz="2300">
+              <a:latin typeface="Courier New"/>
+              <a:ea typeface="Courier New"/>
+              <a:cs typeface="Courier New"/>
+              <a:sym typeface="Courier New"/>
+            </a:endParaRPr>
+          </a:p>
+          <a:p>
+            <a:pPr lvl="4" marL="0" indent="914400">
+              <a:spcBef>
+                <a:spcPts val="400"/>
+              </a:spcBef>
+              <a:buSzTx/>
+              <a:buNone/>
+            </a:pPr>
+            <a:r>
+              <a:rPr sz="2300">
+                <a:latin typeface="Courier New"/>
+                <a:ea typeface="Courier New"/>
+                <a:cs typeface="Courier New"/>
+                <a:sym typeface="Courier New"/>
+              </a:rPr>
+              <a:t>array[] defined by left and right indices</a:t>
+            </a:r>
+            <a:endParaRPr sz="2300">
+              <a:latin typeface="Courier New"/>
+              <a:ea typeface="Courier New"/>
+              <a:cs typeface="Courier New"/>
+              <a:sym typeface="Courier New"/>
+            </a:endParaRPr>
+          </a:p>
+          <a:p>
+            <a:pPr marL="0" indent="0">
+              <a:spcBef>
+                <a:spcPts val="400"/>
+              </a:spcBef>
+              <a:buSzTx/>
+              <a:buNone/>
+              <a:defRPr sz="2800"/>
+            </a:pPr>
+            <a:r>
+              <a:rPr sz="2300">
+                <a:latin typeface="Courier New"/>
+                <a:ea typeface="Courier New"/>
+                <a:cs typeface="Courier New"/>
+                <a:sym typeface="Courier New"/>
+              </a:rPr>
+              <a:t>#o/p: array[]] sorted in ascending order</a:t>
             </a:r>
             <a:endParaRPr>
               <a:latin typeface="Courier New"/>
@@ -8618,11 +8666,11 @@
           <a:p>
             <a:pPr marL="0" indent="0">
               <a:spcBef>
-                <a:spcPts val="200"/>
+                <a:spcPts val="300"/>
               </a:spcBef>
               <a:buSzTx/>
               <a:buNone/>
-              <a:defRPr sz="2800"/>
+              <a:defRPr sz="3000"/>
             </a:pPr>
             <a:r>
               <a:rPr>
@@ -8631,7 +8679,7 @@
                 <a:cs typeface="Courier New"/>
                 <a:sym typeface="Courier New"/>
               </a:rPr>
-              <a:t>if l&lt;r</a:t>
+              <a:t>if left &lt; right</a:t>
             </a:r>
             <a:endParaRPr>
               <a:latin typeface="Courier New"/>
@@ -8643,10 +8691,11 @@
           <a:p>
             <a:pPr lvl="2" marL="0" indent="457200">
               <a:spcBef>
-                <a:spcPts val="200"/>
+                <a:spcPts val="300"/>
               </a:spcBef>
               <a:buSzTx/>
               <a:buNone/>
+              <a:defRPr sz="3000"/>
             </a:pPr>
             <a:r>
               <a:rPr>
@@ -8655,7 +8704,7 @@
                 <a:cs typeface="Courier New"/>
                 <a:sym typeface="Courier New"/>
               </a:rPr>
-              <a:t>s ← partition(l,r,A[l,r])</a:t>
+              <a:t>s ← partition(left, right, A[])</a:t>
             </a:r>
             <a:endParaRPr>
               <a:latin typeface="Courier New"/>
@@ -8667,10 +8716,11 @@
           <a:p>
             <a:pPr lvl="2" marL="0" indent="457200">
               <a:spcBef>
-                <a:spcPts val="200"/>
+                <a:spcPts val="300"/>
               </a:spcBef>
               <a:buSzTx/>
               <a:buNone/>
+              <a:defRPr sz="3000"/>
             </a:pPr>
             <a:r>
               <a:rPr>
@@ -8679,7 +8729,7 @@
                 <a:cs typeface="Courier New"/>
                 <a:sym typeface="Courier New"/>
               </a:rPr>
-              <a:t>Quicksort(l,s-1,A[l,s-1])</a:t>
+              <a:t>quicksort(left, s-1, A[])</a:t>
             </a:r>
             <a:endParaRPr>
               <a:latin typeface="Courier New"/>
@@ -8691,10 +8741,11 @@
           <a:p>
             <a:pPr lvl="2" marL="0" indent="457200">
               <a:spcBef>
-                <a:spcPts val="200"/>
+                <a:spcPts val="300"/>
               </a:spcBef>
               <a:buSzTx/>
               <a:buNone/>
+              <a:defRPr sz="3000"/>
             </a:pPr>
             <a:r>
               <a:rPr>
@@ -8703,7 +8754,32 @@
                 <a:cs typeface="Courier New"/>
                 <a:sym typeface="Courier New"/>
               </a:rPr>
-              <a:t>Quicksort(s+1,r,A[s+1,r])</a:t>
+              <a:t>quicksort(s+1, right, A[])</a:t>
+            </a:r>
+            <a:endParaRPr>
+              <a:latin typeface="Courier New"/>
+              <a:ea typeface="Courier New"/>
+              <a:cs typeface="Courier New"/>
+              <a:sym typeface="Courier New"/>
+            </a:endParaRPr>
+          </a:p>
+          <a:p>
+            <a:pPr marL="0" indent="0">
+              <a:spcBef>
+                <a:spcPts val="300"/>
+              </a:spcBef>
+              <a:buSzTx/>
+              <a:buNone/>
+              <a:defRPr sz="3000"/>
+            </a:pPr>
+            <a:r>
+              <a:rPr>
+                <a:latin typeface="Courier New"/>
+                <a:ea typeface="Courier New"/>
+                <a:cs typeface="Courier New"/>
+                <a:sym typeface="Courier New"/>
+              </a:rPr>
+              <a:t>return</a:t>
             </a:r>
             <a:endParaRPr>
               <a:latin typeface="Courier New"/>
@@ -9295,6 +9371,150 @@
                       </p:childTnLst>
                     </p:cTn>
                   </p:par>
+                  <p:par>
+                    <p:cTn id="41" fill="hold">
+                      <p:stCondLst>
+                        <p:cond delay="indefinite"/>
+                      </p:stCondLst>
+                      <p:childTnLst>
+                        <p:par>
+                          <p:cTn id="42" fill="hold">
+                            <p:stCondLst>
+                              <p:cond delay="0"/>
+                            </p:stCondLst>
+                            <p:childTnLst>
+                              <p:par>
+                                <p:cTn id="43" presetClass="entr" nodeType="clickEffect" presetSubtype="0" presetID="1" grpId="1" fill="hold">
+                                  <p:stCondLst>
+                                    <p:cond delay="0"/>
+                                  </p:stCondLst>
+                                  <p:iterate type="el" backwards="0">
+                                    <p:tmAbs val="0"/>
+                                  </p:iterate>
+                                  <p:childTnLst>
+                                    <p:set>
+                                      <p:cBhvr>
+                                        <p:cTn id="44" fill="hold"/>
+                                        <p:tgtEl>
+                                          <p:spTgt spid="273">
+                                            <p:txEl>
+                                              <p:pRg st="9" end="9"/>
+                                            </p:txEl>
+                                          </p:spTgt>
+                                        </p:tgtEl>
+                                        <p:attrNameLst>
+                                          <p:attrName>style.visibility</p:attrName>
+                                        </p:attrNameLst>
+                                      </p:cBhvr>
+                                      <p:to>
+                                        <p:strVal val="visible"/>
+                                      </p:to>
+                                    </p:set>
+                                  </p:childTnLst>
+                                </p:cTn>
+                              </p:par>
+                            </p:childTnLst>
+                          </p:cTn>
+                        </p:par>
+                      </p:childTnLst>
+                    </p:cTn>
+                  </p:par>
+                  <p:par>
+                    <p:cTn id="45" fill="hold">
+                      <p:stCondLst>
+                        <p:cond delay="indefinite"/>
+                      </p:stCondLst>
+                      <p:childTnLst>
+                        <p:par>
+                          <p:cTn id="46" fill="hold">
+                            <p:stCondLst>
+                              <p:cond delay="0"/>
+                            </p:stCondLst>
+                            <p:childTnLst>
+                              <p:par>
+                                <p:cTn id="47" presetClass="entr" nodeType="clickEffect" presetSubtype="0" presetID="1" grpId="1" fill="hold">
+                                  <p:stCondLst>
+                                    <p:cond delay="0"/>
+                                  </p:stCondLst>
+                                  <p:iterate type="el" backwards="0">
+                                    <p:tmAbs val="0"/>
+                                  </p:iterate>
+                                  <p:childTnLst>
+                                    <p:set>
+                                      <p:cBhvr>
+                                        <p:cTn id="48" fill="hold"/>
+                                        <p:tgtEl>
+                                          <p:spTgt spid="273">
+                                            <p:txEl>
+                                              <p:pRg st="10" end="10"/>
+                                            </p:txEl>
+                                          </p:spTgt>
+                                        </p:tgtEl>
+                                        <p:attrNameLst>
+                                          <p:attrName>style.visibility</p:attrName>
+                                        </p:attrNameLst>
+                                      </p:cBhvr>
+                                      <p:to>
+                                        <p:strVal val="visible"/>
+                                      </p:to>
+                                    </p:set>
+                                  </p:childTnLst>
+                                </p:cTn>
+                              </p:par>
+                            </p:childTnLst>
+                          </p:cTn>
+                        </p:par>
+                      </p:childTnLst>
+                    </p:cTn>
+                  </p:par>
+                  <p:par>
+                    <p:cTn id="49" fill="hold">
+                      <p:stCondLst>
+                        <p:cond delay="indefinite"/>
+                      </p:stCondLst>
+                      <p:childTnLst>
+                        <p:par>
+                          <p:cTn id="50" fill="hold">
+                            <p:stCondLst>
+                              <p:cond delay="0"/>
+                            </p:stCondLst>
+                            <p:childTnLst>
+                              <p:par>
+                                <p:cTn id="51" presetClass="entr" nodeType="clickEffect" presetSubtype="0" presetID="1" grpId="1" fill="hold">
+                                  <p:stCondLst>
+                                    <p:cond delay="0"/>
+                                  </p:stCondLst>
+                                  <p:iterate type="el" backwards="0">
+                                    <p:tmAbs val="0"/>
+                                  </p:iterate>
+                                  <p:childTnLst>
+                                    <p:set>
+                                      <p:cBhvr>
+                                        <p:cTn id="52" fill="hold"/>
+                                        <p:tgtEl>
+                                          <p:spTgt spid="273">
+                                            <p:txEl>
+                                              <p:pRg st="11" end="11"/>
+                                            </p:txEl>
+                                          </p:spTgt>
+                                        </p:tgtEl>
+                                        <p:attrNameLst>
+                                          <p:attrName>style.visibility</p:attrName>
+                                        </p:attrNameLst>
+                                      </p:cBhvr>
+                                      <p:to>
+                                        <p:strVal val="visible"/>
+                                      </p:to>
+                                    </p:set>
+                                  </p:childTnLst>
+                                </p:cTn>
+                              </p:par>
+                            </p:childTnLst>
+                          </p:cTn>
+                        </p:par>
+                      </p:childTnLst>
+                    </p:cTn>
+                  </p:par>
                 </p:childTnLst>
               </p:cTn>
               <p:prevCondLst>
@@ -9349,6 +9569,10 @@
           </p:nvPr>
         </p:nvSpPr>
         <p:spPr>
+          <a:xfrm>
+            <a:off x="762000" y="-105960"/>
+            <a:ext cx="8636001" cy="952501"/>
+          </a:xfrm>
           <a:prstGeom prst="rect">
             <a:avLst/>
           </a:prstGeom>
@@ -9374,8 +9598,8 @@
         </p:nvSpPr>
         <p:spPr>
           <a:xfrm>
-            <a:off x="679425" y="938113"/>
-            <a:ext cx="9048800" cy="5891610"/>
+            <a:off x="555600" y="661698"/>
+            <a:ext cx="9048800" cy="6296604"/>
           </a:xfrm>
           <a:prstGeom prst="rect">
             <a:avLst/>
@@ -9417,7 +9641,7 @@
               </a:spcBef>
               <a:buSzTx/>
               <a:buNone/>
-              <a:defRPr sz="2800"/>
+              <a:defRPr b="1" sz="2800"/>
             </a:pPr>
             <a:r>
               <a:rPr>
@@ -9426,7 +9650,7 @@
                 <a:cs typeface="Courier New"/>
                 <a:sym typeface="Courier New"/>
               </a:rPr>
-              <a:t>p←A[l]</a:t>
+              <a:t>p←A[r]; i←l; j←r-1</a:t>
             </a:r>
             <a:endParaRPr>
               <a:latin typeface="Courier New"/>
@@ -9442,8 +9666,17 @@
               </a:spcBef>
               <a:buSzTx/>
               <a:buNone/>
-              <a:defRPr sz="2800"/>
+              <a:defRPr b="1" sz="2800"/>
             </a:pPr>
+            <a:r>
+              <a:rPr b="0">
+                <a:latin typeface="Courier New"/>
+                <a:ea typeface="Courier New"/>
+                <a:cs typeface="Courier New"/>
+                <a:sym typeface="Courier New"/>
+              </a:rPr>
+              <a:t>while</a:t>
+            </a:r>
             <a:r>
               <a:rPr>
                 <a:latin typeface="Courier New"/>
@@ -9451,7 +9684,7 @@
                 <a:cs typeface="Courier New"/>
                 <a:sym typeface="Courier New"/>
               </a:rPr>
-              <a:t>i←l; j←r+1</a:t>
+              <a:t> (i &lt;=j)</a:t>
             </a:r>
             <a:endParaRPr>
               <a:latin typeface="Courier New"/>
@@ -9461,14 +9694,23 @@
             </a:endParaRPr>
           </a:p>
           <a:p>
-            <a:pPr marL="0" indent="0">
+            <a:pPr lvl="2" marL="0" indent="457200">
               <a:spcBef>
                 <a:spcPts val="200"/>
               </a:spcBef>
               <a:buSzTx/>
               <a:buNone/>
-              <a:defRPr sz="2800"/>
+              <a:defRPr b="1"/>
             </a:pPr>
+            <a:r>
+              <a:rPr b="0">
+                <a:latin typeface="Courier New"/>
+                <a:ea typeface="Courier New"/>
+                <a:cs typeface="Courier New"/>
+                <a:sym typeface="Courier New"/>
+              </a:rPr>
+              <a:t>while</a:t>
+            </a:r>
             <a:r>
               <a:rPr>
                 <a:latin typeface="Courier New"/>
@@ -9476,7 +9718,25 @@
                 <a:cs typeface="Courier New"/>
                 <a:sym typeface="Courier New"/>
               </a:rPr>
-              <a:t>repeat</a:t>
+              <a:t> (A[i] &lt;= pivot </a:t>
+            </a:r>
+            <a:r>
+              <a:rPr b="0">
+                <a:latin typeface="Courier New"/>
+                <a:ea typeface="Courier New"/>
+                <a:cs typeface="Courier New"/>
+                <a:sym typeface="Courier New"/>
+              </a:rPr>
+              <a:t>&amp;&amp;</a:t>
+            </a:r>
+            <a:r>
+              <a:rPr>
+                <a:latin typeface="Courier New"/>
+                <a:ea typeface="Courier New"/>
+                <a:cs typeface="Courier New"/>
+                <a:sym typeface="Courier New"/>
+              </a:rPr>
+              <a:t> i &lt; r)</a:t>
             </a:r>
             <a:endParaRPr>
               <a:latin typeface="Courier New"/>
@@ -9486,36 +9746,13 @@
             </a:endParaRPr>
           </a:p>
           <a:p>
-            <a:pPr lvl="2" marL="0" indent="457200">
-              <a:spcBef>
-                <a:spcPts val="200"/>
-              </a:spcBef>
-              <a:buSzTx/>
-              <a:buNone/>
-            </a:pPr>
-            <a:r>
-              <a:rPr>
-                <a:latin typeface="Courier New"/>
-                <a:ea typeface="Courier New"/>
-                <a:cs typeface="Courier New"/>
-                <a:sym typeface="Courier New"/>
-              </a:rPr>
-              <a:t>repeat</a:t>
-            </a:r>
-            <a:endParaRPr>
-              <a:latin typeface="Courier New"/>
-              <a:ea typeface="Courier New"/>
-              <a:cs typeface="Courier New"/>
-              <a:sym typeface="Courier New"/>
-            </a:endParaRPr>
-          </a:p>
-          <a:p>
             <a:pPr lvl="4" marL="0" indent="914400">
               <a:spcBef>
                 <a:spcPts val="200"/>
               </a:spcBef>
               <a:buSzTx/>
               <a:buNone/>
+              <a:defRPr b="1"/>
             </a:pPr>
             <a:r>
               <a:rPr>
@@ -9540,7 +9777,17 @@
               </a:spcBef>
               <a:buSzTx/>
               <a:buNone/>
+              <a:defRPr b="1"/>
             </a:pPr>
+            <a:r>
+              <a:rPr b="0">
+                <a:latin typeface="Courier New"/>
+                <a:ea typeface="Courier New"/>
+                <a:cs typeface="Courier New"/>
+                <a:sym typeface="Courier New"/>
+              </a:rPr>
+              <a:t>if</a:t>
+            </a:r>
             <a:r>
               <a:rPr>
                 <a:latin typeface="Courier New"/>
@@ -9548,7 +9795,50 @@
                 <a:cs typeface="Courier New"/>
                 <a:sym typeface="Courier New"/>
               </a:rPr>
-              <a:t>until A[i]≥p or i&gt;r</a:t>
+              <a:t> (i == r)</a:t>
+            </a:r>
+            <a:r>
+              <a:rPr b="0" sz="2600">
+                <a:latin typeface="Courier New"/>
+                <a:ea typeface="Courier New"/>
+                <a:cs typeface="Courier New"/>
+                <a:sym typeface="Courier New"/>
+              </a:rPr>
+              <a:t>#all elems smaller than pivot</a:t>
+            </a:r>
+            <a:endParaRPr sz="2600">
+              <a:latin typeface="Courier New"/>
+              <a:ea typeface="Courier New"/>
+              <a:cs typeface="Courier New"/>
+              <a:sym typeface="Courier New"/>
+            </a:endParaRPr>
+          </a:p>
+          <a:p>
+            <a:pPr lvl="3" marL="0" indent="685800">
+              <a:spcBef>
+                <a:spcPts val="200"/>
+              </a:spcBef>
+              <a:buSzTx/>
+              <a:buNone/>
+              <a:defRPr b="1"/>
+            </a:pPr>
+            <a:r>
+              <a:rPr b="0" sz="2600">
+                <a:latin typeface="Courier New"/>
+                <a:ea typeface="Courier New"/>
+                <a:cs typeface="Courier New"/>
+                <a:sym typeface="Courier New"/>
+              </a:rPr>
+              <a:t>return</a:t>
+            </a:r>
+            <a:r>
+              <a:rPr sz="2600">
+                <a:latin typeface="Courier New"/>
+                <a:ea typeface="Courier New"/>
+                <a:cs typeface="Courier New"/>
+                <a:sym typeface="Courier New"/>
+              </a:rPr>
+              <a:t> r</a:t>
             </a:r>
             <a:endParaRPr>
               <a:latin typeface="Courier New"/>
@@ -9564,7 +9854,17 @@
               </a:spcBef>
               <a:buSzTx/>
               <a:buNone/>
+              <a:defRPr b="1"/>
             </a:pPr>
+            <a:r>
+              <a:rPr b="0">
+                <a:latin typeface="Courier New"/>
+                <a:ea typeface="Courier New"/>
+                <a:cs typeface="Courier New"/>
+                <a:sym typeface="Courier New"/>
+              </a:rPr>
+              <a:t>while</a:t>
+            </a:r>
             <a:r>
               <a:rPr>
                 <a:latin typeface="Courier New"/>
@@ -9572,7 +9872,7 @@
                 <a:cs typeface="Courier New"/>
                 <a:sym typeface="Courier New"/>
               </a:rPr>
-              <a:t>repeat</a:t>
+              <a:t> (j &gt;= l) &amp;&amp; (A[j] &gt; pivot)</a:t>
             </a:r>
             <a:endParaRPr>
               <a:latin typeface="Courier New"/>
@@ -9588,6 +9888,7 @@
               </a:spcBef>
               <a:buSzTx/>
               <a:buNone/>
+              <a:defRPr b="1"/>
             </a:pPr>
             <a:r>
               <a:rPr>
@@ -9612,7 +9913,17 @@
               </a:spcBef>
               <a:buSzTx/>
               <a:buNone/>
+              <a:defRPr b="1"/>
             </a:pPr>
+            <a:r>
+              <a:rPr b="0">
+                <a:latin typeface="Courier New"/>
+                <a:ea typeface="Courier New"/>
+                <a:cs typeface="Courier New"/>
+                <a:sym typeface="Courier New"/>
+              </a:rPr>
+              <a:t>if</a:t>
+            </a:r>
             <a:r>
               <a:rPr>
                 <a:latin typeface="Courier New"/>
@@ -9620,7 +9931,41 @@
                 <a:cs typeface="Courier New"/>
                 <a:sym typeface="Courier New"/>
               </a:rPr>
-              <a:t>until A[j]≤p or j==l</a:t>
+              <a:t> (j &lt; l) </a:t>
+            </a:r>
+            <a:r>
+              <a:rPr b="0">
+                <a:latin typeface="Courier New"/>
+                <a:ea typeface="Courier New"/>
+                <a:cs typeface="Courier New"/>
+                <a:sym typeface="Courier New"/>
+              </a:rPr>
+              <a:t>#all elem greater than pivot</a:t>
+            </a:r>
+            <a:endParaRPr b="0">
+              <a:latin typeface="Courier New"/>
+              <a:ea typeface="Courier New"/>
+              <a:cs typeface="Courier New"/>
+              <a:sym typeface="Courier New"/>
+            </a:endParaRPr>
+          </a:p>
+          <a:p>
+            <a:pPr lvl="3" marL="0" indent="685800">
+              <a:spcBef>
+                <a:spcPts val="200"/>
+              </a:spcBef>
+              <a:buSzTx/>
+              <a:buNone/>
+              <a:defRPr b="1"/>
+            </a:pPr>
+            <a:r>
+              <a:rPr>
+                <a:latin typeface="Courier New"/>
+                <a:ea typeface="Courier New"/>
+                <a:cs typeface="Courier New"/>
+                <a:sym typeface="Courier New"/>
+              </a:rPr>
+              <a:t>swap(A[l], A[r])</a:t>
             </a:r>
             <a:endParaRPr>
               <a:latin typeface="Courier New"/>
@@ -9630,13 +9975,57 @@
             </a:endParaRPr>
           </a:p>
           <a:p>
+            <a:pPr lvl="3" marL="0" indent="685800">
+              <a:spcBef>
+                <a:spcPts val="200"/>
+              </a:spcBef>
+              <a:buSzTx/>
+              <a:buNone/>
+              <a:defRPr b="1"/>
+            </a:pPr>
+            <a:r>
+              <a:rPr b="0">
+                <a:latin typeface="Courier New"/>
+                <a:ea typeface="Courier New"/>
+                <a:cs typeface="Courier New"/>
+                <a:sym typeface="Courier New"/>
+              </a:rPr>
+              <a:t>return</a:t>
+            </a:r>
+            <a:r>
+              <a:rPr>
+                <a:latin typeface="Courier New"/>
+                <a:ea typeface="Courier New"/>
+                <a:cs typeface="Courier New"/>
+                <a:sym typeface="Courier New"/>
+              </a:rPr>
+              <a:t> l</a:t>
+            </a:r>
+            <a:endParaRPr>
+              <a:latin typeface="Courier New"/>
+              <a:ea typeface="Courier New"/>
+              <a:cs typeface="Courier New"/>
+              <a:sym typeface="Courier New"/>
+            </a:endParaRPr>
+          </a:p>
+          <a:p>
             <a:pPr lvl="2" marL="0" indent="457200">
               <a:spcBef>
                 <a:spcPts val="200"/>
               </a:spcBef>
               <a:buSzTx/>
               <a:buNone/>
+              <a:defRPr b="1"/>
             </a:pPr>
+            <a:r>
+              <a:rPr b="0">
+                <a:latin typeface="Courier New"/>
+                <a:ea typeface="Courier New"/>
+                <a:cs typeface="Courier New"/>
+                <a:sym typeface="Courier New"/>
+              </a:rPr>
+              <a:t>if</a:t>
+            </a:r>
             <a:r>
               <a:rPr>
                 <a:latin typeface="Courier New"/>
@@ -9644,7 +10033,50 @@
                 <a:cs typeface="Courier New"/>
                 <a:sym typeface="Courier New"/>
               </a:rPr>
-              <a:t>swap(A[i],A[j])</a:t>
+              <a:t> (i&lt;j) </a:t>
+            </a:r>
+            <a:r>
+              <a:rPr b="0">
+                <a:latin typeface="Courier New"/>
+                <a:ea typeface="Courier New"/>
+                <a:cs typeface="Courier New"/>
+                <a:sym typeface="Courier New"/>
+              </a:rPr>
+              <a:t>#swap low and high elemets</a:t>
+            </a:r>
+            <a:endParaRPr b="0">
+              <a:latin typeface="Courier New"/>
+              <a:ea typeface="Courier New"/>
+              <a:cs typeface="Courier New"/>
+              <a:sym typeface="Courier New"/>
+            </a:endParaRPr>
+          </a:p>
+          <a:p>
+            <a:pPr lvl="3" marL="0" indent="685800">
+              <a:spcBef>
+                <a:spcPts val="200"/>
+              </a:spcBef>
+              <a:buSzTx/>
+              <a:buNone/>
+              <a:defRPr b="1"/>
+            </a:pPr>
+            <a:r>
+              <a:rPr b="0">
+                <a:latin typeface="Courier New"/>
+                <a:ea typeface="Courier New"/>
+                <a:cs typeface="Courier New"/>
+                <a:sym typeface="Courier New"/>
+              </a:rPr>
+              <a:t>swap</a:t>
+            </a:r>
+            <a:r>
+              <a:rPr>
+                <a:latin typeface="Courier New"/>
+                <a:ea typeface="Courier New"/>
+                <a:cs typeface="Courier New"/>
+                <a:sym typeface="Courier New"/>
+              </a:rPr>
+              <a:t>(A[i], A[j])</a:t>
             </a:r>
             <a:endParaRPr>
               <a:latin typeface="Courier New"/>
@@ -9660,8 +10092,17 @@
               </a:spcBef>
               <a:buSzTx/>
               <a:buNone/>
-              <a:defRPr sz="2800"/>
+              <a:defRPr b="1" sz="2800"/>
             </a:pPr>
+            <a:r>
+              <a:rPr b="0">
+                <a:latin typeface="Courier New"/>
+                <a:ea typeface="Courier New"/>
+                <a:cs typeface="Courier New"/>
+                <a:sym typeface="Courier New"/>
+              </a:rPr>
+              <a:t>swap</a:t>
+            </a:r>
             <a:r>
               <a:rPr>
                 <a:latin typeface="Courier New"/>
@@ -9669,7 +10110,16 @@
                 <a:cs typeface="Courier New"/>
                 <a:sym typeface="Courier New"/>
               </a:rPr>
-              <a:t>until i≥j</a:t>
+              <a:t>(A[i], A[r]) </a:t>
+            </a:r>
+            <a:r>
+              <a:rPr b="0">
+                <a:latin typeface="Courier New"/>
+                <a:ea typeface="Courier New"/>
+                <a:cs typeface="Courier New"/>
+                <a:sym typeface="Courier New"/>
+              </a:rPr>
+              <a:t>#put pivot in its place</a:t>
             </a:r>
             <a:endParaRPr>
               <a:latin typeface="Courier New"/>
@@ -9685,8 +10135,17 @@
               </a:spcBef>
               <a:buSzTx/>
               <a:buNone/>
-              <a:defRPr sz="2800"/>
+              <a:defRPr b="1" sz="2800"/>
             </a:pPr>
+            <a:r>
+              <a:rPr b="0">
+                <a:latin typeface="Courier New"/>
+                <a:ea typeface="Courier New"/>
+                <a:cs typeface="Courier New"/>
+                <a:sym typeface="Courier New"/>
+              </a:rPr>
+              <a:t>return</a:t>
+            </a:r>
             <a:r>
               <a:rPr>
                 <a:latin typeface="Courier New"/>
@@ -9694,57 +10153,7 @@
                 <a:cs typeface="Courier New"/>
                 <a:sym typeface="Courier New"/>
               </a:rPr>
-              <a:t>swap(A[i],A[j]) #undo last swap when i≥j</a:t>
-            </a:r>
-            <a:endParaRPr>
-              <a:latin typeface="Courier New"/>
-              <a:ea typeface="Courier New"/>
-              <a:cs typeface="Courier New"/>
-              <a:sym typeface="Courier New"/>
-            </a:endParaRPr>
-          </a:p>
-          <a:p>
-            <a:pPr marL="0" indent="0">
-              <a:spcBef>
-                <a:spcPts val="200"/>
-              </a:spcBef>
-              <a:buSzTx/>
-              <a:buNone/>
-              <a:defRPr sz="2800"/>
-            </a:pPr>
-            <a:r>
-              <a:rPr>
-                <a:latin typeface="Courier New"/>
-                <a:ea typeface="Courier New"/>
-                <a:cs typeface="Courier New"/>
-                <a:sym typeface="Courier New"/>
-              </a:rPr>
-              <a:t>swap(A[l],A[j])</a:t>
-            </a:r>
-            <a:endParaRPr>
-              <a:latin typeface="Courier New"/>
-              <a:ea typeface="Courier New"/>
-              <a:cs typeface="Courier New"/>
-              <a:sym typeface="Courier New"/>
-            </a:endParaRPr>
-          </a:p>
-          <a:p>
-            <a:pPr marL="0" indent="0">
-              <a:spcBef>
-                <a:spcPts val="200"/>
-              </a:spcBef>
-              <a:buSzTx/>
-              <a:buNone/>
-              <a:defRPr sz="2800"/>
-            </a:pPr>
-            <a:r>
-              <a:rPr>
-                <a:latin typeface="Courier New"/>
-                <a:ea typeface="Courier New"/>
-                <a:cs typeface="Courier New"/>
-                <a:sym typeface="Courier New"/>
-              </a:rPr>
-              <a:t>return j</a:t>
+              <a:t> i</a:t>
             </a:r>
           </a:p>
         </p:txBody>
@@ -10618,6 +11027,54 @@
                       </p:childTnLst>
                     </p:cTn>
                   </p:par>
+                  <p:par>
+                    <p:cTn id="65" fill="hold">
+                      <p:stCondLst>
+                        <p:cond delay="indefinite"/>
+                      </p:stCondLst>
+                      <p:childTnLst>
+                        <p:par>
+                          <p:cTn id="66" fill="hold">
+                            <p:stCondLst>
+                              <p:cond delay="0"/>
+                            </p:stCondLst>
+                            <p:childTnLst>
+                              <p:par>
+                                <p:cTn id="67" presetClass="entr" nodeType="clickEffect" presetSubtype="0" presetID="1" grpId="1" fill="hold">
+                                  <p:stCondLst>
+                                    <p:cond delay="0"/>
+                                  </p:stCondLst>
+                                  <p:iterate type="el" backwards="0">
+                                    <p:tmAbs val="0"/>
+                                  </p:iterate>
+                                  <p:childTnLst>
+                                    <p:set>
+                                      <p:cBhvr>
+                                        <p:cTn id="68" fill="hold"/>
+                                        <p:tgtEl>
+                                          <p:spTgt spid="279">
+                                            <p:txEl>
+                                              <p:pRg st="15" end="15"/>
+                                            </p:txEl>
+                                          </p:spTgt>
+                                        </p:tgtEl>
+                                        <p:attrNameLst>
+                                          <p:attrName>style.visibility</p:attrName>
+                                        </p:attrNameLst>
+                                      </p:cBhvr>
+                                      <p:to>
+                                        <p:strVal val="visible"/>
+                                      </p:to>
+                                    </p:set>
+                                  </p:childTnLst>
+                                </p:cTn>
+                              </p:par>
+                            </p:childTnLst>
+                          </p:cTn>
+                        </p:par>
+                      </p:childTnLst>
+                    </p:cTn>
+                  </p:par>
                 </p:childTnLst>
               </p:cTn>
               <p:prevCondLst>
@@ -14201,7 +14658,7 @@
         </p:nvSpPr>
         <p:spPr>
           <a:xfrm>
-            <a:off x="5659872" y="1088417"/>
+            <a:off x="5659871" y="1088417"/>
             <a:ext cx="696080" cy="661892"/>
           </a:xfrm>
           <a:prstGeom prst="ellipse">
@@ -14281,7 +14738,7 @@
         </p:nvSpPr>
         <p:spPr>
           <a:xfrm>
-            <a:off x="4057404" y="1088417"/>
+            <a:off x="4057403" y="1088417"/>
             <a:ext cx="696080" cy="661892"/>
           </a:xfrm>
           <a:prstGeom prst="ellipse">
@@ -14507,7 +14964,7 @@
           </p:nvSpPr>
           <p:spPr>
             <a:xfrm>
-              <a:off x="1649337" y="0"/>
+              <a:off x="1649336" y="0"/>
               <a:ext cx="696080" cy="661892"/>
             </a:xfrm>
             <a:prstGeom prst="ellipse">
@@ -15315,8 +15772,8 @@
         </p:blipFill>
         <p:spPr>
           <a:xfrm rot="16200000">
-            <a:off x="1361495" y="2881629"/>
-            <a:ext cx="763493" cy="76201"/>
+            <a:off x="1361496" y="2881629"/>
+            <a:ext cx="763492" cy="76201"/>
           </a:xfrm>
           <a:prstGeom prst="rect">
             <a:avLst/>
@@ -15341,8 +15798,8 @@
         </p:blipFill>
         <p:spPr>
           <a:xfrm rot="16200000">
-            <a:off x="3470489" y="2881629"/>
-            <a:ext cx="763492" cy="76201"/>
+            <a:off x="3470488" y="2881629"/>
+            <a:ext cx="763493" cy="76201"/>
           </a:xfrm>
           <a:prstGeom prst="rect">
             <a:avLst/>
@@ -15393,8 +15850,8 @@
         </p:blipFill>
         <p:spPr>
           <a:xfrm rot="16200000">
-            <a:off x="7506269" y="2881629"/>
-            <a:ext cx="763492" cy="76201"/>
+            <a:off x="7506268" y="2881629"/>
+            <a:ext cx="763493" cy="76201"/>
           </a:xfrm>
           <a:prstGeom prst="rect">
             <a:avLst/>
@@ -15409,7 +15866,7 @@
         </p:nvSpPr>
         <p:spPr>
           <a:xfrm>
-            <a:off x="1828373" y="3479054"/>
+            <a:off x="1828374" y="3479054"/>
             <a:ext cx="696080" cy="661892"/>
           </a:xfrm>
           <a:prstGeom prst="ellipse">
@@ -15921,8 +16378,8 @@
         </p:nvGrpSpPr>
         <p:grpSpPr>
           <a:xfrm>
-            <a:off x="1611581" y="4093582"/>
-            <a:ext cx="1226094" cy="937634"/>
+            <a:off x="1611581" y="4093581"/>
+            <a:ext cx="1226094" cy="937635"/>
             <a:chOff x="0" y="0"/>
             <a:chExt cx="1226093" cy="937633"/>
           </a:xfrm>
@@ -16113,8 +16570,8 @@
         </p:nvGrpSpPr>
         <p:grpSpPr>
           <a:xfrm>
-            <a:off x="5548162" y="4093858"/>
-            <a:ext cx="1382250" cy="937358"/>
+            <a:off x="5548162" y="4093859"/>
+            <a:ext cx="1382250" cy="937357"/>
             <a:chOff x="0" y="0"/>
             <a:chExt cx="1382249" cy="937356"/>
           </a:xfrm>
@@ -16127,8 +16584,8 @@
           </p:nvSpPr>
           <p:spPr>
             <a:xfrm>
-              <a:off x="686170" y="275465"/>
-              <a:ext cx="696080" cy="661892"/>
+              <a:off x="686169" y="275465"/>
+              <a:ext cx="696081" cy="661892"/>
             </a:xfrm>
             <a:prstGeom prst="ellipse">
               <a:avLst/>
@@ -16895,8 +17352,8 @@
           </p:nvSpPr>
           <p:spPr>
             <a:xfrm>
-              <a:off x="1482062" y="675149"/>
-              <a:ext cx="696081" cy="661892"/>
+              <a:off x="1482063" y="675149"/>
+              <a:ext cx="696080" cy="661892"/>
             </a:xfrm>
             <a:prstGeom prst="ellipse">
               <a:avLst/>
@@ -16977,8 +17434,8 @@
         </p:nvGrpSpPr>
         <p:grpSpPr>
           <a:xfrm>
-            <a:off x="5900623" y="4998605"/>
-            <a:ext cx="1402328" cy="1336242"/>
+            <a:off x="5900623" y="4998604"/>
+            <a:ext cx="1402328" cy="1336243"/>
             <a:chOff x="0" y="0"/>
             <a:chExt cx="1402327" cy="1336241"/>
           </a:xfrm>
@@ -17073,8 +17530,8 @@
         </p:nvGrpSpPr>
         <p:grpSpPr>
           <a:xfrm>
-            <a:off x="2405380" y="4062311"/>
-            <a:ext cx="1215289" cy="968905"/>
+            <a:off x="2405381" y="4062311"/>
+            <a:ext cx="1215288" cy="968905"/>
             <a:chOff x="0" y="0"/>
             <a:chExt cx="1215287" cy="968904"/>
           </a:xfrm>
@@ -17382,7 +17839,7 @@
         <p:spPr>
           <a:xfrm flipV="1">
             <a:off x="5385834" y="3220049"/>
-            <a:ext cx="1" cy="234123"/>
+            <a:ext cx="1" cy="234124"/>
           </a:xfrm>
           <a:prstGeom prst="line">
             <a:avLst/>
@@ -17469,7 +17926,7 @@
         <p:spPr>
           <a:xfrm flipH="1" flipV="1">
             <a:off x="7682678" y="3172986"/>
-            <a:ext cx="424144" cy="424144"/>
+            <a:ext cx="424145" cy="424144"/>
           </a:xfrm>
           <a:prstGeom prst="line">
             <a:avLst/>
@@ -17527,7 +17984,7 @@
         <p:spPr>
           <a:xfrm flipV="1">
             <a:off x="1394590" y="4911212"/>
-            <a:ext cx="1" cy="687292"/>
+            <a:ext cx="1" cy="687293"/>
           </a:xfrm>
           <a:prstGeom prst="line">
             <a:avLst/>
@@ -19864,53 +20321,53 @@
       </p:par>
     </p:tnLst>
     <p:bldLst>
+      <p:bldP build="whole" bldLvl="1" animBg="1" rev="0" advAuto="0" spid="115" grpId="20"/>
+      <p:bldP build="whole" bldLvl="1" animBg="1" rev="0" advAuto="0" spid="113" grpId="15"/>
+      <p:bldP build="whole" bldLvl="1" animBg="1" rev="0" advAuto="0" spid="122" grpId="19"/>
+      <p:bldP build="whole" bldLvl="1" animBg="1" rev="0" advAuto="0" spid="120" grpId="12"/>
+      <p:bldP build="whole" bldLvl="1" animBg="1" rev="0" advAuto="0" spid="159" grpId="44"/>
+      <p:bldP build="whole" bldLvl="1" animBg="1" rev="0" advAuto="0" spid="144" grpId="36"/>
+      <p:bldP build="whole" bldLvl="1" animBg="1" rev="0" advAuto="0" spid="126" grpId="29"/>
+      <p:bldP build="whole" bldLvl="1" animBg="1" rev="0" advAuto="0" spid="107" grpId="8"/>
+      <p:bldP build="whole" bldLvl="1" animBg="1" rev="0" advAuto="0" spid="101" grpId="5"/>
       <p:bldP build="whole" bldLvl="1" animBg="1" rev="0" advAuto="0" spid="184" grpId="38"/>
+      <p:bldP build="whole" bldLvl="1" animBg="1" rev="0" advAuto="0" spid="178" grpId="18"/>
+      <p:bldP build="whole" bldLvl="1" animBg="1" rev="0" advAuto="0" spid="171" grpId="32"/>
+      <p:bldP build="whole" bldLvl="1" animBg="1" rev="0" advAuto="0" spid="97" grpId="7"/>
+      <p:bldP build="whole" bldLvl="1" animBg="1" rev="0" advAuto="0" spid="87" grpId="2"/>
+      <p:bldP build="whole" bldLvl="1" animBg="1" rev="0" advAuto="0" spid="88" grpId="1"/>
+      <p:bldP build="whole" bldLvl="1" animBg="1" rev="0" advAuto="0" spid="123" grpId="24"/>
+      <p:bldP build="whole" bldLvl="1" animBg="1" rev="0" advAuto="0" spid="180" grpId="23"/>
+      <p:bldP build="whole" bldLvl="1" animBg="1" rev="0" advAuto="0" spid="141" grpId="35"/>
+      <p:bldP build="whole" bldLvl="1" animBg="1" rev="0" advAuto="0" spid="111" grpId="10"/>
+      <p:bldP build="whole" bldLvl="1" animBg="1" rev="0" advAuto="0" spid="175" grpId="11"/>
+      <p:bldP build="whole" bldLvl="1" animBg="1" rev="0" advAuto="0" spid="165" grpId="48"/>
+      <p:bldP build="whole" bldLvl="1" animBg="1" rev="0" advAuto="0" spid="119" grpId="14"/>
+      <p:bldP build="whole" bldLvl="1" animBg="1" rev="0" advAuto="0" spid="177" grpId="16"/>
+      <p:bldP build="whole" bldLvl="1" animBg="1" rev="0" advAuto="0" spid="135" grpId="31"/>
+      <p:bldP build="whole" bldLvl="1" animBg="1" rev="0" advAuto="0" spid="150" grpId="52"/>
+      <p:bldP build="whole" bldLvl="1" animBg="1" rev="0" advAuto="0" spid="181" grpId="26"/>
+      <p:bldP build="whole" bldLvl="1" animBg="1" rev="0" advAuto="0" spid="129" grpId="30"/>
+      <p:bldP build="whole" bldLvl="1" animBg="1" rev="0" advAuto="0" spid="124" grpId="22"/>
       <p:bldP build="whole" bldLvl="1" animBg="1" rev="0" advAuto="0" spid="153" grpId="40"/>
-      <p:bldP build="whole" bldLvl="1" animBg="1" rev="0" advAuto="0" spid="150" grpId="52"/>
-      <p:bldP build="whole" bldLvl="1" animBg="1" rev="0" advAuto="0" spid="121" grpId="17"/>
-      <p:bldP build="whole" bldLvl="1" animBg="1" rev="0" advAuto="0" spid="95" grpId="4"/>
-      <p:bldP build="whole" bldLvl="1" animBg="1" rev="0" advAuto="0" spid="119" grpId="14"/>
+      <p:bldP build="whole" bldLvl="1" animBg="1" rev="0" advAuto="0" spid="162" grpId="46"/>
+      <p:bldP build="whole" bldLvl="1" animBg="1" rev="0" advAuto="0" spid="182" grpId="28"/>
+      <p:bldP build="whole" bldLvl="1" animBg="1" rev="0" advAuto="0" spid="183" grpId="39"/>
+      <p:bldP build="whole" bldLvl="1" animBg="1" rev="0" advAuto="0" spid="174" grpId="54"/>
       <p:bldP build="whole" bldLvl="1" animBg="1" rev="0" advAuto="0" spid="132" grpId="33"/>
       <p:bldP build="whole" bldLvl="1" animBg="1" rev="0" advAuto="0" spid="156" grpId="42"/>
-      <p:bldP build="whole" bldLvl="1" animBg="1" rev="0" advAuto="0" spid="159" grpId="44"/>
-      <p:bldP build="whole" bldLvl="1" animBg="1" rev="0" advAuto="0" spid="101" grpId="5"/>
-      <p:bldP build="whole" bldLvl="1" animBg="1" rev="0" advAuto="0" spid="115" grpId="20"/>
-      <p:bldP build="whole" bldLvl="1" animBg="1" rev="0" advAuto="0" spid="135" grpId="31"/>
       <p:bldP build="whole" bldLvl="1" animBg="1" rev="0" advAuto="0" spid="179" grpId="21"/>
-      <p:bldP build="whole" bldLvl="1" animBg="1" rev="0" advAuto="0" spid="183" grpId="39"/>
-      <p:bldP build="whole" bldLvl="1" animBg="1" rev="0" advAuto="0" spid="171" grpId="32"/>
-      <p:bldP build="whole" bldLvl="1" animBg="1" rev="0" advAuto="0" spid="122" grpId="19"/>
-      <p:bldP build="whole" bldLvl="1" animBg="1" rev="0" advAuto="0" spid="87" grpId="2"/>
-      <p:bldP build="whole" bldLvl="1" animBg="1" rev="0" advAuto="0" spid="182" grpId="28"/>
-      <p:bldP build="whole" bldLvl="1" animBg="1" rev="0" advAuto="0" spid="126" grpId="29"/>
+      <p:bldP build="whole" bldLvl="1" animBg="1" rev="0" advAuto="0" spid="117" grpId="25"/>
+      <p:bldP build="whole" bldLvl="1" animBg="1" rev="0" advAuto="0" spid="110" grpId="9"/>
       <p:bldP build="whole" bldLvl="1" animBg="1" rev="0" advAuto="0" spid="104" grpId="6"/>
+      <p:bldP build="whole" bldLvl="1" animBg="1" rev="0" advAuto="0" spid="147" grpId="37"/>
+      <p:bldP build="whole" bldLvl="1" animBg="1" rev="0" advAuto="0" spid="121" grpId="17"/>
+      <p:bldP build="whole" bldLvl="1" animBg="1" rev="0" advAuto="0" spid="176" grpId="13"/>
+      <p:bldP build="whole" bldLvl="1" animBg="1" rev="0" advAuto="0" spid="168" grpId="50"/>
+      <p:bldP build="whole" bldLvl="1" animBg="1" rev="0" advAuto="0" spid="95" grpId="4"/>
+      <p:bldP build="whole" bldLvl="1" animBg="1" rev="0" advAuto="0" spid="125" grpId="27"/>
       <p:bldP build="whole" bldLvl="1" animBg="1" rev="0" advAuto="0" spid="138" grpId="34"/>
-      <p:bldP build="whole" bldLvl="1" animBg="1" rev="0" advAuto="0" spid="113" grpId="15"/>
-      <p:bldP build="whole" bldLvl="1" animBg="1" rev="0" advAuto="0" spid="97" grpId="7"/>
-      <p:bldP build="whole" bldLvl="1" animBg="1" rev="0" advAuto="0" spid="124" grpId="22"/>
-      <p:bldP build="whole" bldLvl="1" animBg="1" rev="0" advAuto="0" spid="141" grpId="35"/>
-      <p:bldP build="whole" bldLvl="1" animBg="1" rev="0" advAuto="0" spid="180" grpId="23"/>
-      <p:bldP build="whole" bldLvl="1" animBg="1" rev="0" advAuto="0" spid="178" grpId="18"/>
-      <p:bldP build="whole" bldLvl="1" animBg="1" rev="0" advAuto="0" spid="110" grpId="9"/>
-      <p:bldP build="whole" bldLvl="1" animBg="1" rev="0" advAuto="0" spid="125" grpId="27"/>
-      <p:bldP build="whole" bldLvl="1" animBg="1" rev="0" advAuto="0" spid="181" grpId="26"/>
-      <p:bldP build="whole" bldLvl="1" animBg="1" rev="0" advAuto="0" spid="175" grpId="11"/>
-      <p:bldP build="whole" bldLvl="1" animBg="1" rev="0" advAuto="0" spid="120" grpId="12"/>
-      <p:bldP build="whole" bldLvl="1" animBg="1" rev="0" advAuto="0" spid="144" grpId="36"/>
-      <p:bldP build="whole" bldLvl="1" animBg="1" rev="0" advAuto="0" spid="88" grpId="1"/>
-      <p:bldP build="whole" bldLvl="1" animBg="1" rev="0" advAuto="0" spid="111" grpId="10"/>
-      <p:bldP build="whole" bldLvl="1" animBg="1" rev="0" advAuto="0" spid="117" grpId="25"/>
-      <p:bldP build="whole" bldLvl="1" animBg="1" rev="0" advAuto="0" spid="123" grpId="24"/>
-      <p:bldP build="whole" bldLvl="1" animBg="1" rev="0" advAuto="0" spid="162" grpId="46"/>
-      <p:bldP build="whole" bldLvl="1" animBg="1" rev="0" advAuto="0" spid="168" grpId="50"/>
-      <p:bldP build="whole" bldLvl="1" animBg="1" rev="0" advAuto="0" spid="147" grpId="37"/>
-      <p:bldP build="whole" bldLvl="1" animBg="1" rev="0" advAuto="0" spid="165" grpId="48"/>
-      <p:bldP build="whole" bldLvl="1" animBg="1" rev="0" advAuto="0" spid="174" grpId="54"/>
-      <p:bldP build="whole" bldLvl="1" animBg="1" rev="0" advAuto="0" spid="177" grpId="16"/>
-      <p:bldP build="whole" bldLvl="1" animBg="1" rev="0" advAuto="0" spid="176" grpId="13"/>
       <p:bldP build="whole" bldLvl="1" animBg="1" rev="0" advAuto="0" spid="94" grpId="3"/>
-      <p:bldP build="whole" bldLvl="1" animBg="1" rev="0" advAuto="0" spid="107" grpId="8"/>
-      <p:bldP build="whole" bldLvl="1" animBg="1" rev="0" advAuto="0" spid="129" grpId="30"/>
     </p:bldLst>
   </p:timing>
 </p:sld>
